--- a/Primena genetskog algoritma u kompresiji slika.pptx
+++ b/Primena genetskog algoritma u kompresiji slika.pptx
@@ -13,6 +13,16 @@
     <p:sldId id="261" r:id="rId7"/>
     <p:sldId id="262" r:id="rId8"/>
     <p:sldId id="263" r:id="rId9"/>
+    <p:sldId id="264" r:id="rId10"/>
+    <p:sldId id="265" r:id="rId11"/>
+    <p:sldId id="266" r:id="rId12"/>
+    <p:sldId id="267" r:id="rId13"/>
+    <p:sldId id="268" r:id="rId14"/>
+    <p:sldId id="269" r:id="rId15"/>
+    <p:sldId id="270" r:id="rId16"/>
+    <p:sldId id="271" r:id="rId17"/>
+    <p:sldId id="272" r:id="rId18"/>
+    <p:sldId id="273" r:id="rId19"/>
   </p:sldIdLst>
   <p:sldSz cx="12192000" cy="6858000"/>
   <p:notesSz cx="6858000" cy="9144000"/>
@@ -111,6 +121,11 @@
       </a:defRPr>
     </a:lvl9pPr>
   </p:defaultTextStyle>
+  <p:extLst>
+    <p:ext uri="{EFAFB233-063F-42B5-8137-9DF3F51BA10A}">
+      <p15:sldGuideLst xmlns:p15="http://schemas.microsoft.com/office/powerpoint/2012/main"/>
+    </p:ext>
+  </p:extLst>
 </p:presentation>
 </file>
 
@@ -261,7 +276,7 @@
           <a:p>
             <a:fld id="{F1182543-441C-4A32-A5F2-BBC06F2E3627}" type="datetimeFigureOut">
               <a:rPr lang="en-US" smtClean="0"/>
-              <a:t>9/10/2019</a:t>
+              <a:t>9/11/2019</a:t>
             </a:fld>
             <a:endParaRPr lang="en-US"/>
           </a:p>
@@ -459,7 +474,7 @@
           <a:p>
             <a:fld id="{F1182543-441C-4A32-A5F2-BBC06F2E3627}" type="datetimeFigureOut">
               <a:rPr lang="en-US" smtClean="0"/>
-              <a:t>9/10/2019</a:t>
+              <a:t>9/11/2019</a:t>
             </a:fld>
             <a:endParaRPr lang="en-US"/>
           </a:p>
@@ -667,7 +682,7 @@
           <a:p>
             <a:fld id="{F1182543-441C-4A32-A5F2-BBC06F2E3627}" type="datetimeFigureOut">
               <a:rPr lang="en-US" smtClean="0"/>
-              <a:t>9/10/2019</a:t>
+              <a:t>9/11/2019</a:t>
             </a:fld>
             <a:endParaRPr lang="en-US"/>
           </a:p>
@@ -865,7 +880,7 @@
           <a:p>
             <a:fld id="{F1182543-441C-4A32-A5F2-BBC06F2E3627}" type="datetimeFigureOut">
               <a:rPr lang="en-US" smtClean="0"/>
-              <a:t>9/10/2019</a:t>
+              <a:t>9/11/2019</a:t>
             </a:fld>
             <a:endParaRPr lang="en-US"/>
           </a:p>
@@ -1140,7 +1155,7 @@
           <a:p>
             <a:fld id="{F1182543-441C-4A32-A5F2-BBC06F2E3627}" type="datetimeFigureOut">
               <a:rPr lang="en-US" smtClean="0"/>
-              <a:t>9/10/2019</a:t>
+              <a:t>9/11/2019</a:t>
             </a:fld>
             <a:endParaRPr lang="en-US"/>
           </a:p>
@@ -1405,7 +1420,7 @@
           <a:p>
             <a:fld id="{F1182543-441C-4A32-A5F2-BBC06F2E3627}" type="datetimeFigureOut">
               <a:rPr lang="en-US" smtClean="0"/>
-              <a:t>9/10/2019</a:t>
+              <a:t>9/11/2019</a:t>
             </a:fld>
             <a:endParaRPr lang="en-US"/>
           </a:p>
@@ -1817,7 +1832,7 @@
           <a:p>
             <a:fld id="{F1182543-441C-4A32-A5F2-BBC06F2E3627}" type="datetimeFigureOut">
               <a:rPr lang="en-US" smtClean="0"/>
-              <a:t>9/10/2019</a:t>
+              <a:t>9/11/2019</a:t>
             </a:fld>
             <a:endParaRPr lang="en-US"/>
           </a:p>
@@ -1958,7 +1973,7 @@
           <a:p>
             <a:fld id="{F1182543-441C-4A32-A5F2-BBC06F2E3627}" type="datetimeFigureOut">
               <a:rPr lang="en-US" smtClean="0"/>
-              <a:t>9/10/2019</a:t>
+              <a:t>9/11/2019</a:t>
             </a:fld>
             <a:endParaRPr lang="en-US"/>
           </a:p>
@@ -2071,7 +2086,7 @@
           <a:p>
             <a:fld id="{F1182543-441C-4A32-A5F2-BBC06F2E3627}" type="datetimeFigureOut">
               <a:rPr lang="en-US" smtClean="0"/>
-              <a:t>9/10/2019</a:t>
+              <a:t>9/11/2019</a:t>
             </a:fld>
             <a:endParaRPr lang="en-US"/>
           </a:p>
@@ -2382,7 +2397,7 @@
           <a:p>
             <a:fld id="{F1182543-441C-4A32-A5F2-BBC06F2E3627}" type="datetimeFigureOut">
               <a:rPr lang="en-US" smtClean="0"/>
-              <a:t>9/10/2019</a:t>
+              <a:t>9/11/2019</a:t>
             </a:fld>
             <a:endParaRPr lang="en-US"/>
           </a:p>
@@ -2670,7 +2685,7 @@
           <a:p>
             <a:fld id="{F1182543-441C-4A32-A5F2-BBC06F2E3627}" type="datetimeFigureOut">
               <a:rPr lang="en-US" smtClean="0"/>
-              <a:t>9/10/2019</a:t>
+              <a:t>9/11/2019</a:t>
             </a:fld>
             <a:endParaRPr lang="en-US"/>
           </a:p>
@@ -2911,7 +2926,7 @@
           <a:p>
             <a:fld id="{F1182543-441C-4A32-A5F2-BBC06F2E3627}" type="datetimeFigureOut">
               <a:rPr lang="en-US" smtClean="0"/>
-              <a:t>9/10/2019</a:t>
+              <a:t>9/11/2019</a:t>
             </a:fld>
             <a:endParaRPr lang="en-US"/>
           </a:p>
@@ -3478,6 +3493,1206 @@
 </p:sld>
 </file>
 
+<file path=ppt/slides/slide10.xml><?xml version="1.0" encoding="utf-8"?>
+<p:sld xmlns:a="http://schemas.openxmlformats.org/drawingml/2006/main" xmlns:r="http://schemas.openxmlformats.org/officeDocument/2006/relationships" xmlns:p="http://schemas.openxmlformats.org/presentationml/2006/main">
+  <p:cSld>
+    <p:spTree>
+      <p:nvGrpSpPr>
+        <p:cNvPr id="1" name=""/>
+        <p:cNvGrpSpPr/>
+        <p:nvPr/>
+      </p:nvGrpSpPr>
+      <p:grpSpPr>
+        <a:xfrm>
+          <a:off x="0" y="0"/>
+          <a:ext cx="0" cy="0"/>
+          <a:chOff x="0" y="0"/>
+          <a:chExt cx="0" cy="0"/>
+        </a:xfrm>
+      </p:grpSpPr>
+      <p:sp>
+        <p:nvSpPr>
+          <p:cNvPr id="2" name="Title 1">
+            <a:extLst>
+              <a:ext uri="{FF2B5EF4-FFF2-40B4-BE49-F238E27FC236}">
+                <a16:creationId xmlns:a16="http://schemas.microsoft.com/office/drawing/2014/main" id="{0F440784-36EC-4DE6-9141-598997F0249A}"/>
+              </a:ext>
+            </a:extLst>
+          </p:cNvPr>
+          <p:cNvSpPr>
+            <a:spLocks noGrp="1"/>
+          </p:cNvSpPr>
+          <p:nvPr>
+            <p:ph type="title"/>
+          </p:nvPr>
+        </p:nvSpPr>
+        <p:spPr/>
+        <p:txBody>
+          <a:bodyPr/>
+          <a:lstStyle/>
+          <a:p>
+            <a:r>
+              <a:rPr lang="sr-Latn-RS" b="1" dirty="0"/>
+              <a:t>Funkcija </a:t>
+            </a:r>
+            <a:r>
+              <a:rPr lang="sr-Latn-RS" b="1" dirty="0" err="1"/>
+              <a:t>diff-pixel</a:t>
+            </a:r>
+            <a:endParaRPr lang="en-US" b="1" dirty="0"/>
+          </a:p>
+        </p:txBody>
+      </p:sp>
+      <p:sp>
+        <p:nvSpPr>
+          <p:cNvPr id="3" name="Content Placeholder 2">
+            <a:extLst>
+              <a:ext uri="{FF2B5EF4-FFF2-40B4-BE49-F238E27FC236}">
+                <a16:creationId xmlns:a16="http://schemas.microsoft.com/office/drawing/2014/main" id="{1BAB4F58-4BD2-400D-A03E-778B6C132955}"/>
+              </a:ext>
+            </a:extLst>
+          </p:cNvPr>
+          <p:cNvSpPr>
+            <a:spLocks noGrp="1"/>
+          </p:cNvSpPr>
+          <p:nvPr>
+            <p:ph idx="1"/>
+          </p:nvPr>
+        </p:nvSpPr>
+        <p:spPr/>
+        <p:txBody>
+          <a:bodyPr/>
+          <a:lstStyle/>
+          <a:p>
+            <a:r>
+              <a:rPr lang="sr-Latn-RS" dirty="0"/>
+              <a:t>Za svaki hromozom nam je potreban i niz koji sadrži </a:t>
+            </a:r>
+            <a:r>
+              <a:rPr lang="sr-Latn-RS" dirty="0" err="1"/>
+              <a:t>kulmulativne</a:t>
+            </a:r>
+            <a:r>
+              <a:rPr lang="sr-Latn-RS" dirty="0"/>
+              <a:t> razlike piksela bloka u odnosu na druge blokove iz klase</a:t>
+            </a:r>
+          </a:p>
+          <a:p>
+            <a:r>
+              <a:rPr lang="sr-Latn-RS" dirty="0"/>
+              <a:t>Ova funkcija nam služi za računanje </a:t>
+            </a:r>
+            <a:r>
+              <a:rPr lang="sr-Latn-RS" dirty="0" err="1"/>
+              <a:t>fitness</a:t>
+            </a:r>
+            <a:r>
+              <a:rPr lang="sr-Latn-RS" dirty="0"/>
+              <a:t> funkcije</a:t>
+            </a:r>
+          </a:p>
+          <a:p>
+            <a:endParaRPr lang="sr-Latn-RS" dirty="0"/>
+          </a:p>
+        </p:txBody>
+      </p:sp>
+      <p:pic>
+        <p:nvPicPr>
+          <p:cNvPr id="4" name="Picture 3">
+            <a:extLst>
+              <a:ext uri="{FF2B5EF4-FFF2-40B4-BE49-F238E27FC236}">
+                <a16:creationId xmlns:a16="http://schemas.microsoft.com/office/drawing/2014/main" id="{A89A49BD-2663-4858-83FC-84E9CE8C49B9}"/>
+              </a:ext>
+            </a:extLst>
+          </p:cNvPr>
+          <p:cNvPicPr>
+            <a:picLocks noChangeAspect="1"/>
+          </p:cNvPicPr>
+          <p:nvPr/>
+        </p:nvPicPr>
+        <p:blipFill>
+          <a:blip r:embed="rId2"/>
+          <a:stretch>
+            <a:fillRect/>
+          </a:stretch>
+        </p:blipFill>
+        <p:spPr>
+          <a:xfrm>
+            <a:off x="1372869" y="3591560"/>
+            <a:ext cx="8887097" cy="2392680"/>
+          </a:xfrm>
+          <a:prstGeom prst="rect">
+            <a:avLst/>
+          </a:prstGeom>
+        </p:spPr>
+      </p:pic>
+    </p:spTree>
+    <p:extLst>
+      <p:ext uri="{BB962C8B-B14F-4D97-AF65-F5344CB8AC3E}">
+        <p14:creationId xmlns:p14="http://schemas.microsoft.com/office/powerpoint/2010/main" val="438838409"/>
+      </p:ext>
+    </p:extLst>
+  </p:cSld>
+  <p:clrMapOvr>
+    <a:masterClrMapping/>
+  </p:clrMapOvr>
+</p:sld>
+</file>
+
+<file path=ppt/slides/slide11.xml><?xml version="1.0" encoding="utf-8"?>
+<p:sld xmlns:a="http://schemas.openxmlformats.org/drawingml/2006/main" xmlns:r="http://schemas.openxmlformats.org/officeDocument/2006/relationships" xmlns:p="http://schemas.openxmlformats.org/presentationml/2006/main">
+  <p:cSld>
+    <p:spTree>
+      <p:nvGrpSpPr>
+        <p:cNvPr id="1" name=""/>
+        <p:cNvGrpSpPr/>
+        <p:nvPr/>
+      </p:nvGrpSpPr>
+      <p:grpSpPr>
+        <a:xfrm>
+          <a:off x="0" y="0"/>
+          <a:ext cx="0" cy="0"/>
+          <a:chOff x="0" y="0"/>
+          <a:chExt cx="0" cy="0"/>
+        </a:xfrm>
+      </p:grpSpPr>
+      <p:sp>
+        <p:nvSpPr>
+          <p:cNvPr id="2" name="Title 1">
+            <a:extLst>
+              <a:ext uri="{FF2B5EF4-FFF2-40B4-BE49-F238E27FC236}">
+                <a16:creationId xmlns:a16="http://schemas.microsoft.com/office/drawing/2014/main" id="{960B51BD-B695-4AE4-AA1D-14113358B175}"/>
+              </a:ext>
+            </a:extLst>
+          </p:cNvPr>
+          <p:cNvSpPr>
+            <a:spLocks noGrp="1"/>
+          </p:cNvSpPr>
+          <p:nvPr>
+            <p:ph type="title"/>
+          </p:nvPr>
+        </p:nvSpPr>
+        <p:spPr/>
+        <p:txBody>
+          <a:bodyPr/>
+          <a:lstStyle/>
+          <a:p>
+            <a:r>
+              <a:rPr lang="en-US" b="1" dirty="0"/>
+              <a:t>5. </a:t>
+            </a:r>
+            <a:r>
+              <a:rPr lang="sr-Latn-RS" b="1" dirty="0"/>
+              <a:t>Selekcija</a:t>
+            </a:r>
+            <a:endParaRPr lang="en-US" b="1" dirty="0"/>
+          </a:p>
+        </p:txBody>
+      </p:sp>
+      <p:sp>
+        <p:nvSpPr>
+          <p:cNvPr id="3" name="Content Placeholder 2">
+            <a:extLst>
+              <a:ext uri="{FF2B5EF4-FFF2-40B4-BE49-F238E27FC236}">
+                <a16:creationId xmlns:a16="http://schemas.microsoft.com/office/drawing/2014/main" id="{D9A22396-2DBF-4CBB-91DA-2D5BC97E19AA}"/>
+              </a:ext>
+            </a:extLst>
+          </p:cNvPr>
+          <p:cNvSpPr>
+            <a:spLocks noGrp="1"/>
+          </p:cNvSpPr>
+          <p:nvPr>
+            <p:ph idx="1"/>
+          </p:nvPr>
+        </p:nvSpPr>
+        <p:spPr/>
+        <p:txBody>
+          <a:bodyPr/>
+          <a:lstStyle/>
+          <a:p>
+            <a:r>
+              <a:rPr lang="en-US" dirty="0" err="1"/>
+              <a:t>Uzmimamo</a:t>
+            </a:r>
+            <a:r>
+              <a:rPr lang="en-US" dirty="0"/>
+              <a:t> </a:t>
+            </a:r>
+            <a:r>
+              <a:rPr lang="en-US" dirty="0" err="1"/>
+              <a:t>dva</a:t>
+            </a:r>
+            <a:r>
+              <a:rPr lang="en-US" dirty="0"/>
+              <a:t> </a:t>
+            </a:r>
+            <a:r>
+              <a:rPr lang="en-US" dirty="0" err="1"/>
+              <a:t>roditelja</a:t>
+            </a:r>
+            <a:r>
+              <a:rPr lang="en-US" dirty="0"/>
+              <a:t> I </a:t>
+            </a:r>
+            <a:r>
+              <a:rPr lang="en-US" dirty="0" err="1"/>
+              <a:t>pravimo</a:t>
+            </a:r>
+            <a:r>
+              <a:rPr lang="en-US" dirty="0"/>
+              <a:t> </a:t>
+            </a:r>
+            <a:r>
+              <a:rPr lang="en-US" dirty="0" err="1"/>
+              <a:t>potomka</a:t>
+            </a:r>
+            <a:endParaRPr lang="en-US" dirty="0"/>
+          </a:p>
+          <a:p>
+            <a:r>
+              <a:rPr lang="en-US" dirty="0" err="1"/>
+              <a:t>Dva</a:t>
+            </a:r>
+            <a:r>
+              <a:rPr lang="en-US" dirty="0"/>
+              <a:t> </a:t>
+            </a:r>
+            <a:r>
+              <a:rPr lang="en-US" dirty="0" err="1"/>
+              <a:t>roditelja</a:t>
+            </a:r>
+            <a:r>
+              <a:rPr lang="en-US" dirty="0"/>
+              <a:t> </a:t>
+            </a:r>
+            <a:r>
+              <a:rPr lang="en-US" dirty="0" err="1"/>
+              <a:t>su</a:t>
+            </a:r>
+            <a:r>
+              <a:rPr lang="en-US" dirty="0"/>
+              <a:t> </a:t>
+            </a:r>
+            <a:r>
+              <a:rPr lang="en-US" dirty="0" err="1"/>
+              <a:t>dve</a:t>
+            </a:r>
+            <a:r>
+              <a:rPr lang="en-US" dirty="0"/>
+              <a:t> </a:t>
+            </a:r>
+            <a:r>
+              <a:rPr lang="en-US" dirty="0" err="1"/>
+              <a:t>jedinke</a:t>
+            </a:r>
+            <a:r>
+              <a:rPr lang="en-US" dirty="0"/>
+              <a:t> </a:t>
+            </a:r>
+            <a:r>
+              <a:rPr lang="en-US" dirty="0" err="1"/>
+              <a:t>sa</a:t>
+            </a:r>
+            <a:r>
+              <a:rPr lang="en-US" dirty="0"/>
+              <a:t> </a:t>
+            </a:r>
+            <a:r>
+              <a:rPr lang="en-US" dirty="0" err="1"/>
+              <a:t>najboljim</a:t>
+            </a:r>
+            <a:r>
+              <a:rPr lang="en-US" dirty="0"/>
+              <a:t> fitness </a:t>
+            </a:r>
+            <a:r>
+              <a:rPr lang="en-US" dirty="0" err="1"/>
+              <a:t>vrednostima</a:t>
+            </a:r>
+            <a:endParaRPr lang="en-US" dirty="0"/>
+          </a:p>
+        </p:txBody>
+      </p:sp>
+      <p:pic>
+        <p:nvPicPr>
+          <p:cNvPr id="4" name="Picture 3">
+            <a:extLst>
+              <a:ext uri="{FF2B5EF4-FFF2-40B4-BE49-F238E27FC236}">
+                <a16:creationId xmlns:a16="http://schemas.microsoft.com/office/drawing/2014/main" id="{07CB2698-5E2A-4344-8205-8B6A2B89287B}"/>
+              </a:ext>
+            </a:extLst>
+          </p:cNvPr>
+          <p:cNvPicPr>
+            <a:picLocks noChangeAspect="1"/>
+          </p:cNvPicPr>
+          <p:nvPr/>
+        </p:nvPicPr>
+        <p:blipFill>
+          <a:blip r:embed="rId2"/>
+          <a:stretch>
+            <a:fillRect/>
+          </a:stretch>
+        </p:blipFill>
+        <p:spPr>
+          <a:xfrm>
+            <a:off x="1125893" y="3348672"/>
+            <a:ext cx="4970107" cy="2066608"/>
+          </a:xfrm>
+          <a:prstGeom prst="rect">
+            <a:avLst/>
+          </a:prstGeom>
+        </p:spPr>
+      </p:pic>
+    </p:spTree>
+    <p:extLst>
+      <p:ext uri="{BB962C8B-B14F-4D97-AF65-F5344CB8AC3E}">
+        <p14:creationId xmlns:p14="http://schemas.microsoft.com/office/powerpoint/2010/main" val="2049400813"/>
+      </p:ext>
+    </p:extLst>
+  </p:cSld>
+  <p:clrMapOvr>
+    <a:masterClrMapping/>
+  </p:clrMapOvr>
+</p:sld>
+</file>
+
+<file path=ppt/slides/slide12.xml><?xml version="1.0" encoding="utf-8"?>
+<p:sld xmlns:a="http://schemas.openxmlformats.org/drawingml/2006/main" xmlns:r="http://schemas.openxmlformats.org/officeDocument/2006/relationships" xmlns:p="http://schemas.openxmlformats.org/presentationml/2006/main">
+  <p:cSld>
+    <p:spTree>
+      <p:nvGrpSpPr>
+        <p:cNvPr id="1" name=""/>
+        <p:cNvGrpSpPr/>
+        <p:nvPr/>
+      </p:nvGrpSpPr>
+      <p:grpSpPr>
+        <a:xfrm>
+          <a:off x="0" y="0"/>
+          <a:ext cx="0" cy="0"/>
+          <a:chOff x="0" y="0"/>
+          <a:chExt cx="0" cy="0"/>
+        </a:xfrm>
+      </p:grpSpPr>
+      <p:sp>
+        <p:nvSpPr>
+          <p:cNvPr id="2" name="Title 1">
+            <a:extLst>
+              <a:ext uri="{FF2B5EF4-FFF2-40B4-BE49-F238E27FC236}">
+                <a16:creationId xmlns:a16="http://schemas.microsoft.com/office/drawing/2014/main" id="{5A04DEB3-2FAB-4651-97C5-04F77506063E}"/>
+              </a:ext>
+            </a:extLst>
+          </p:cNvPr>
+          <p:cNvSpPr>
+            <a:spLocks noGrp="1"/>
+          </p:cNvSpPr>
+          <p:nvPr>
+            <p:ph type="title"/>
+          </p:nvPr>
+        </p:nvSpPr>
+        <p:spPr/>
+        <p:txBody>
+          <a:bodyPr/>
+          <a:lstStyle/>
+          <a:p>
+            <a:r>
+              <a:rPr lang="en-US" b="1" dirty="0"/>
+              <a:t>6. </a:t>
+            </a:r>
+            <a:r>
+              <a:rPr lang="en-US" b="1" dirty="0" err="1"/>
+              <a:t>Ukr</a:t>
+            </a:r>
+            <a:r>
+              <a:rPr lang="sr-Latn-RS" b="1" dirty="0" err="1"/>
+              <a:t>štanje</a:t>
+            </a:r>
+            <a:r>
+              <a:rPr lang="sr-Latn-RS" b="1" dirty="0"/>
+              <a:t>  </a:t>
+            </a:r>
+            <a:r>
+              <a:rPr lang="sr-Latn-RS" sz="3200" i="1" dirty="0"/>
+              <a:t>(</a:t>
+            </a:r>
+            <a:r>
+              <a:rPr lang="sr-Latn-RS" sz="3200" i="1" dirty="0" err="1"/>
+              <a:t>eng</a:t>
+            </a:r>
+            <a:r>
+              <a:rPr lang="sr-Latn-RS" sz="3200" i="1" dirty="0"/>
+              <a:t>. „</a:t>
+            </a:r>
+            <a:r>
+              <a:rPr lang="sr-Latn-RS" sz="3200" i="1" dirty="0" err="1"/>
+              <a:t>crossover</a:t>
+            </a:r>
+            <a:r>
+              <a:rPr lang="sr-Latn-RS" sz="3200" i="1" dirty="0"/>
+              <a:t>“)</a:t>
+            </a:r>
+            <a:endParaRPr lang="en-US" sz="3200" i="1" dirty="0"/>
+          </a:p>
+        </p:txBody>
+      </p:sp>
+      <p:sp>
+        <p:nvSpPr>
+          <p:cNvPr id="3" name="Content Placeholder 2">
+            <a:extLst>
+              <a:ext uri="{FF2B5EF4-FFF2-40B4-BE49-F238E27FC236}">
+                <a16:creationId xmlns:a16="http://schemas.microsoft.com/office/drawing/2014/main" id="{8E46D7C7-8D50-457C-B2D1-3CE599D7F2B2}"/>
+              </a:ext>
+            </a:extLst>
+          </p:cNvPr>
+          <p:cNvSpPr>
+            <a:spLocks noGrp="1"/>
+          </p:cNvSpPr>
+          <p:nvPr>
+            <p:ph idx="1"/>
+          </p:nvPr>
+        </p:nvSpPr>
+        <p:spPr/>
+        <p:txBody>
+          <a:bodyPr/>
+          <a:lstStyle/>
+          <a:p>
+            <a:r>
+              <a:rPr lang="sr-Latn-RS" dirty="0"/>
+              <a:t>Odabere se slučajan </a:t>
+            </a:r>
+            <a:r>
+              <a:rPr lang="sr-Latn-RS" dirty="0" err="1"/>
+              <a:t>index</a:t>
+            </a:r>
+            <a:r>
+              <a:rPr lang="sr-Latn-RS" dirty="0"/>
+              <a:t> n unutar 2 roditeljska hromozoma</a:t>
+            </a:r>
+          </a:p>
+          <a:p>
+            <a:r>
+              <a:rPr lang="sr-Latn-RS" dirty="0"/>
+              <a:t>Jedno dete dobija prvih n gena od prvog roditelja i poslednjih n od drugog roditelja</a:t>
+            </a:r>
+          </a:p>
+          <a:p>
+            <a:r>
+              <a:rPr lang="sr-Latn-RS" dirty="0"/>
+              <a:t>Drugo dete dobija prvih n gena od drugog roditelja i poslednjih n od prvog roditelja</a:t>
+            </a:r>
+          </a:p>
+          <a:p>
+            <a:pPr marL="0" indent="0">
+              <a:buNone/>
+            </a:pPr>
+            <a:endParaRPr lang="en-US" dirty="0"/>
+          </a:p>
+        </p:txBody>
+      </p:sp>
+      <p:pic>
+        <p:nvPicPr>
+          <p:cNvPr id="4" name="Picture 3">
+            <a:extLst>
+              <a:ext uri="{FF2B5EF4-FFF2-40B4-BE49-F238E27FC236}">
+                <a16:creationId xmlns:a16="http://schemas.microsoft.com/office/drawing/2014/main" id="{ADF97CFA-1BDA-46F0-A921-BEA25C6741E1}"/>
+              </a:ext>
+            </a:extLst>
+          </p:cNvPr>
+          <p:cNvPicPr>
+            <a:picLocks noChangeAspect="1"/>
+          </p:cNvPicPr>
+          <p:nvPr/>
+        </p:nvPicPr>
+        <p:blipFill>
+          <a:blip r:embed="rId2"/>
+          <a:stretch>
+            <a:fillRect/>
+          </a:stretch>
+        </p:blipFill>
+        <p:spPr>
+          <a:xfrm>
+            <a:off x="4403724" y="4182383"/>
+            <a:ext cx="5431156" cy="2310492"/>
+          </a:xfrm>
+          <a:prstGeom prst="rect">
+            <a:avLst/>
+          </a:prstGeom>
+        </p:spPr>
+      </p:pic>
+    </p:spTree>
+    <p:extLst>
+      <p:ext uri="{BB962C8B-B14F-4D97-AF65-F5344CB8AC3E}">
+        <p14:creationId xmlns:p14="http://schemas.microsoft.com/office/powerpoint/2010/main" val="2178647304"/>
+      </p:ext>
+    </p:extLst>
+  </p:cSld>
+  <p:clrMapOvr>
+    <a:masterClrMapping/>
+  </p:clrMapOvr>
+</p:sld>
+</file>
+
+<file path=ppt/slides/slide13.xml><?xml version="1.0" encoding="utf-8"?>
+<p:sld xmlns:a="http://schemas.openxmlformats.org/drawingml/2006/main" xmlns:r="http://schemas.openxmlformats.org/officeDocument/2006/relationships" xmlns:p="http://schemas.openxmlformats.org/presentationml/2006/main">
+  <p:cSld>
+    <p:spTree>
+      <p:nvGrpSpPr>
+        <p:cNvPr id="1" name=""/>
+        <p:cNvGrpSpPr/>
+        <p:nvPr/>
+      </p:nvGrpSpPr>
+      <p:grpSpPr>
+        <a:xfrm>
+          <a:off x="0" y="0"/>
+          <a:ext cx="0" cy="0"/>
+          <a:chOff x="0" y="0"/>
+          <a:chExt cx="0" cy="0"/>
+        </a:xfrm>
+      </p:grpSpPr>
+      <p:sp>
+        <p:nvSpPr>
+          <p:cNvPr id="2" name="Title 1">
+            <a:extLst>
+              <a:ext uri="{FF2B5EF4-FFF2-40B4-BE49-F238E27FC236}">
+                <a16:creationId xmlns:a16="http://schemas.microsoft.com/office/drawing/2014/main" id="{6C277BAB-7D5B-4B77-9B29-876FF0C2BCB4}"/>
+              </a:ext>
+            </a:extLst>
+          </p:cNvPr>
+          <p:cNvSpPr>
+            <a:spLocks noGrp="1"/>
+          </p:cNvSpPr>
+          <p:nvPr>
+            <p:ph type="title"/>
+          </p:nvPr>
+        </p:nvSpPr>
+        <p:spPr/>
+        <p:txBody>
+          <a:bodyPr/>
+          <a:lstStyle/>
+          <a:p>
+            <a:r>
+              <a:rPr lang="sr-Latn-RS" b="1" dirty="0"/>
+              <a:t>7. Mutacija</a:t>
+            </a:r>
+            <a:endParaRPr lang="en-US" b="1" dirty="0"/>
+          </a:p>
+        </p:txBody>
+      </p:sp>
+      <p:sp>
+        <p:nvSpPr>
+          <p:cNvPr id="3" name="Content Placeholder 2">
+            <a:extLst>
+              <a:ext uri="{FF2B5EF4-FFF2-40B4-BE49-F238E27FC236}">
+                <a16:creationId xmlns:a16="http://schemas.microsoft.com/office/drawing/2014/main" id="{6F907BC9-B8F1-4994-A7B8-C032C95C9252}"/>
+              </a:ext>
+            </a:extLst>
+          </p:cNvPr>
+          <p:cNvSpPr>
+            <a:spLocks noGrp="1"/>
+          </p:cNvSpPr>
+          <p:nvPr>
+            <p:ph idx="1"/>
+          </p:nvPr>
+        </p:nvSpPr>
+        <p:spPr/>
+        <p:txBody>
+          <a:bodyPr/>
+          <a:lstStyle/>
+          <a:p>
+            <a:r>
+              <a:rPr lang="sr-Latn-RS" dirty="0"/>
+              <a:t>Mutacija koju koristimo izvršava se tako što nasumični gen zamenimo uprosečenom vrednošću celog hromozoma</a:t>
+            </a:r>
+          </a:p>
+          <a:p>
+            <a:pPr marL="0" indent="0">
+              <a:buNone/>
+            </a:pPr>
+            <a:endParaRPr lang="sr-Latn-RS" dirty="0"/>
+          </a:p>
+        </p:txBody>
+      </p:sp>
+      <p:pic>
+        <p:nvPicPr>
+          <p:cNvPr id="4" name="Picture 3">
+            <a:extLst>
+              <a:ext uri="{FF2B5EF4-FFF2-40B4-BE49-F238E27FC236}">
+                <a16:creationId xmlns:a16="http://schemas.microsoft.com/office/drawing/2014/main" id="{53307CA9-935F-4BDE-BD4F-FFA7CD6DD793}"/>
+              </a:ext>
+            </a:extLst>
+          </p:cNvPr>
+          <p:cNvPicPr>
+            <a:picLocks noChangeAspect="1"/>
+          </p:cNvPicPr>
+          <p:nvPr/>
+        </p:nvPicPr>
+        <p:blipFill>
+          <a:blip r:embed="rId2"/>
+          <a:stretch>
+            <a:fillRect/>
+          </a:stretch>
+        </p:blipFill>
+        <p:spPr>
+          <a:xfrm>
+            <a:off x="1811337" y="3309937"/>
+            <a:ext cx="4724975" cy="1668463"/>
+          </a:xfrm>
+          <a:prstGeom prst="rect">
+            <a:avLst/>
+          </a:prstGeom>
+        </p:spPr>
+      </p:pic>
+    </p:spTree>
+    <p:extLst>
+      <p:ext uri="{BB962C8B-B14F-4D97-AF65-F5344CB8AC3E}">
+        <p14:creationId xmlns:p14="http://schemas.microsoft.com/office/powerpoint/2010/main" val="109100163"/>
+      </p:ext>
+    </p:extLst>
+  </p:cSld>
+  <p:clrMapOvr>
+    <a:masterClrMapping/>
+  </p:clrMapOvr>
+</p:sld>
+</file>
+
+<file path=ppt/slides/slide14.xml><?xml version="1.0" encoding="utf-8"?>
+<p:sld xmlns:a="http://schemas.openxmlformats.org/drawingml/2006/main" xmlns:r="http://schemas.openxmlformats.org/officeDocument/2006/relationships" xmlns:p="http://schemas.openxmlformats.org/presentationml/2006/main">
+  <p:cSld>
+    <p:spTree>
+      <p:nvGrpSpPr>
+        <p:cNvPr id="1" name=""/>
+        <p:cNvGrpSpPr/>
+        <p:nvPr/>
+      </p:nvGrpSpPr>
+      <p:grpSpPr>
+        <a:xfrm>
+          <a:off x="0" y="0"/>
+          <a:ext cx="0" cy="0"/>
+          <a:chOff x="0" y="0"/>
+          <a:chExt cx="0" cy="0"/>
+        </a:xfrm>
+      </p:grpSpPr>
+      <p:sp>
+        <p:nvSpPr>
+          <p:cNvPr id="2" name="Title 1">
+            <a:extLst>
+              <a:ext uri="{FF2B5EF4-FFF2-40B4-BE49-F238E27FC236}">
+                <a16:creationId xmlns:a16="http://schemas.microsoft.com/office/drawing/2014/main" id="{8E4DAEC8-7F66-4421-B0EB-C302C00E8F9B}"/>
+              </a:ext>
+            </a:extLst>
+          </p:cNvPr>
+          <p:cNvSpPr>
+            <a:spLocks noGrp="1"/>
+          </p:cNvSpPr>
+          <p:nvPr>
+            <p:ph type="title"/>
+          </p:nvPr>
+        </p:nvSpPr>
+        <p:spPr/>
+        <p:txBody>
+          <a:bodyPr/>
+          <a:lstStyle/>
+          <a:p>
+            <a:r>
+              <a:rPr lang="sr-Latn-RS" b="1" dirty="0"/>
+              <a:t>8. Kriterijum zaustavljanja</a:t>
+            </a:r>
+            <a:endParaRPr lang="en-US" b="1" dirty="0"/>
+          </a:p>
+        </p:txBody>
+      </p:sp>
+      <p:sp>
+        <p:nvSpPr>
+          <p:cNvPr id="3" name="Content Placeholder 2">
+            <a:extLst>
+              <a:ext uri="{FF2B5EF4-FFF2-40B4-BE49-F238E27FC236}">
+                <a16:creationId xmlns:a16="http://schemas.microsoft.com/office/drawing/2014/main" id="{03484CA2-97C8-4E28-9EFF-F36657838872}"/>
+              </a:ext>
+            </a:extLst>
+          </p:cNvPr>
+          <p:cNvSpPr>
+            <a:spLocks noGrp="1"/>
+          </p:cNvSpPr>
+          <p:nvPr>
+            <p:ph idx="1"/>
+          </p:nvPr>
+        </p:nvSpPr>
+        <p:spPr/>
+        <p:txBody>
+          <a:bodyPr/>
+          <a:lstStyle/>
+          <a:p>
+            <a:r>
+              <a:rPr lang="sr-Latn-RS" b="1" dirty="0"/>
+              <a:t>Dva slučaja kada se algoritam zaustavlja:</a:t>
+            </a:r>
+          </a:p>
+          <a:p>
+            <a:pPr marL="514350" indent="-514350">
+              <a:buFont typeface="+mj-lt"/>
+              <a:buAutoNum type="arabicPeriod"/>
+            </a:pPr>
+            <a:r>
+              <a:rPr lang="sr-Latn-RS" dirty="0"/>
+              <a:t>Maksimalan broj generacija</a:t>
+            </a:r>
+          </a:p>
+          <a:p>
+            <a:pPr marL="514350" indent="-514350">
+              <a:buFont typeface="+mj-lt"/>
+              <a:buAutoNum type="arabicPeriod"/>
+            </a:pPr>
+            <a:r>
+              <a:rPr lang="sr-Latn-RS" dirty="0"/>
+              <a:t>Ako vrednost </a:t>
+            </a:r>
+            <a:r>
+              <a:rPr lang="sr-Latn-RS" dirty="0" err="1"/>
+              <a:t>fitness</a:t>
+            </a:r>
+            <a:r>
+              <a:rPr lang="sr-Latn-RS" dirty="0"/>
+              <a:t> funkcije ne menja značajno (razlika </a:t>
+            </a:r>
+            <a:r>
+              <a:rPr lang="sr-Latn-RS" dirty="0" err="1"/>
+              <a:t>izmedju</a:t>
+            </a:r>
+            <a:r>
+              <a:rPr lang="sr-Latn-RS" dirty="0"/>
+              <a:t> stare i nove je manja od neke zadate vrednosti)</a:t>
+            </a:r>
+          </a:p>
+          <a:p>
+            <a:pPr marL="0" indent="0">
+              <a:buNone/>
+            </a:pPr>
+            <a:endParaRPr lang="sr-Latn-RS" dirty="0"/>
+          </a:p>
+        </p:txBody>
+      </p:sp>
+      <p:pic>
+        <p:nvPicPr>
+          <p:cNvPr id="5" name="Picture 4">
+            <a:extLst>
+              <a:ext uri="{FF2B5EF4-FFF2-40B4-BE49-F238E27FC236}">
+                <a16:creationId xmlns:a16="http://schemas.microsoft.com/office/drawing/2014/main" id="{A687B443-C4AC-408B-A220-C7A1033A3ABA}"/>
+              </a:ext>
+            </a:extLst>
+          </p:cNvPr>
+          <p:cNvPicPr>
+            <a:picLocks noChangeAspect="1"/>
+          </p:cNvPicPr>
+          <p:nvPr/>
+        </p:nvPicPr>
+        <p:blipFill>
+          <a:blip r:embed="rId2"/>
+          <a:stretch>
+            <a:fillRect/>
+          </a:stretch>
+        </p:blipFill>
+        <p:spPr>
+          <a:xfrm>
+            <a:off x="1628457" y="4150360"/>
+            <a:ext cx="7952423" cy="1787652"/>
+          </a:xfrm>
+          <a:prstGeom prst="rect">
+            <a:avLst/>
+          </a:prstGeom>
+        </p:spPr>
+      </p:pic>
+    </p:spTree>
+    <p:extLst>
+      <p:ext uri="{BB962C8B-B14F-4D97-AF65-F5344CB8AC3E}">
+        <p14:creationId xmlns:p14="http://schemas.microsoft.com/office/powerpoint/2010/main" val="2934250873"/>
+      </p:ext>
+    </p:extLst>
+  </p:cSld>
+  <p:clrMapOvr>
+    <a:masterClrMapping/>
+  </p:clrMapOvr>
+</p:sld>
+</file>
+
+<file path=ppt/slides/slide15.xml><?xml version="1.0" encoding="utf-8"?>
+<p:sld xmlns:a="http://schemas.openxmlformats.org/drawingml/2006/main" xmlns:r="http://schemas.openxmlformats.org/officeDocument/2006/relationships" xmlns:p="http://schemas.openxmlformats.org/presentationml/2006/main">
+  <p:cSld>
+    <p:spTree>
+      <p:nvGrpSpPr>
+        <p:cNvPr id="1" name=""/>
+        <p:cNvGrpSpPr/>
+        <p:nvPr/>
+      </p:nvGrpSpPr>
+      <p:grpSpPr>
+        <a:xfrm>
+          <a:off x="0" y="0"/>
+          <a:ext cx="0" cy="0"/>
+          <a:chOff x="0" y="0"/>
+          <a:chExt cx="0" cy="0"/>
+        </a:xfrm>
+      </p:grpSpPr>
+      <p:sp>
+        <p:nvSpPr>
+          <p:cNvPr id="2" name="Title 1">
+            <a:extLst>
+              <a:ext uri="{FF2B5EF4-FFF2-40B4-BE49-F238E27FC236}">
+                <a16:creationId xmlns:a16="http://schemas.microsoft.com/office/drawing/2014/main" id="{5030E233-D825-4EF8-B608-EC03F0B2E20C}"/>
+              </a:ext>
+            </a:extLst>
+          </p:cNvPr>
+          <p:cNvSpPr>
+            <a:spLocks noGrp="1"/>
+          </p:cNvSpPr>
+          <p:nvPr>
+            <p:ph type="title"/>
+          </p:nvPr>
+        </p:nvSpPr>
+        <p:spPr/>
+        <p:txBody>
+          <a:bodyPr/>
+          <a:lstStyle/>
+          <a:p>
+            <a:r>
+              <a:rPr lang="sr-Latn-RS" b="1" dirty="0"/>
+              <a:t>9. Generisanje slike iz „</a:t>
+            </a:r>
+            <a:r>
+              <a:rPr lang="sr-Latn-RS" b="1" dirty="0" err="1"/>
+              <a:t>codebook</a:t>
+            </a:r>
+            <a:r>
+              <a:rPr lang="sr-Latn-RS" b="1" dirty="0"/>
+              <a:t>“-a</a:t>
+            </a:r>
+            <a:endParaRPr lang="en-US" b="1" dirty="0"/>
+          </a:p>
+        </p:txBody>
+      </p:sp>
+      <p:pic>
+        <p:nvPicPr>
+          <p:cNvPr id="4" name="Content Placeholder 3">
+            <a:extLst>
+              <a:ext uri="{FF2B5EF4-FFF2-40B4-BE49-F238E27FC236}">
+                <a16:creationId xmlns:a16="http://schemas.microsoft.com/office/drawing/2014/main" id="{0312ACCD-6AD0-4D0C-B28D-60D48F92FC3F}"/>
+              </a:ext>
+            </a:extLst>
+          </p:cNvPr>
+          <p:cNvPicPr>
+            <a:picLocks noGrp="1" noChangeAspect="1"/>
+          </p:cNvPicPr>
+          <p:nvPr>
+            <p:ph idx="1"/>
+          </p:nvPr>
+        </p:nvPicPr>
+        <p:blipFill>
+          <a:blip r:embed="rId2"/>
+          <a:stretch>
+            <a:fillRect/>
+          </a:stretch>
+        </p:blipFill>
+        <p:spPr>
+          <a:xfrm>
+            <a:off x="1171575" y="2043906"/>
+            <a:ext cx="8544104" cy="3461544"/>
+          </a:xfrm>
+          <a:prstGeom prst="rect">
+            <a:avLst/>
+          </a:prstGeom>
+        </p:spPr>
+      </p:pic>
+    </p:spTree>
+    <p:extLst>
+      <p:ext uri="{BB962C8B-B14F-4D97-AF65-F5344CB8AC3E}">
+        <p14:creationId xmlns:p14="http://schemas.microsoft.com/office/powerpoint/2010/main" val="1028017380"/>
+      </p:ext>
+    </p:extLst>
+  </p:cSld>
+  <p:clrMapOvr>
+    <a:masterClrMapping/>
+  </p:clrMapOvr>
+</p:sld>
+</file>
+
+<file path=ppt/slides/slide16.xml><?xml version="1.0" encoding="utf-8"?>
+<p:sld xmlns:a="http://schemas.openxmlformats.org/drawingml/2006/main" xmlns:r="http://schemas.openxmlformats.org/officeDocument/2006/relationships" xmlns:p="http://schemas.openxmlformats.org/presentationml/2006/main">
+  <p:cSld>
+    <p:spTree>
+      <p:nvGrpSpPr>
+        <p:cNvPr id="1" name=""/>
+        <p:cNvGrpSpPr/>
+        <p:nvPr/>
+      </p:nvGrpSpPr>
+      <p:grpSpPr>
+        <a:xfrm>
+          <a:off x="0" y="0"/>
+          <a:ext cx="0" cy="0"/>
+          <a:chOff x="0" y="0"/>
+          <a:chExt cx="0" cy="0"/>
+        </a:xfrm>
+      </p:grpSpPr>
+      <p:sp>
+        <p:nvSpPr>
+          <p:cNvPr id="2" name="Title 1">
+            <a:extLst>
+              <a:ext uri="{FF2B5EF4-FFF2-40B4-BE49-F238E27FC236}">
+                <a16:creationId xmlns:a16="http://schemas.microsoft.com/office/drawing/2014/main" id="{A92A1245-A11E-4B8A-98B6-76EC78598776}"/>
+              </a:ext>
+            </a:extLst>
+          </p:cNvPr>
+          <p:cNvSpPr>
+            <a:spLocks noGrp="1"/>
+          </p:cNvSpPr>
+          <p:nvPr>
+            <p:ph type="title"/>
+          </p:nvPr>
+        </p:nvSpPr>
+        <p:spPr/>
+        <p:txBody>
+          <a:bodyPr/>
+          <a:lstStyle/>
+          <a:p>
+            <a:r>
+              <a:rPr lang="sr-Latn-RS" b="1" dirty="0"/>
+              <a:t>Implementacija celog algoritma</a:t>
+            </a:r>
+            <a:endParaRPr lang="en-US" b="1" dirty="0"/>
+          </a:p>
+        </p:txBody>
+      </p:sp>
+      <p:pic>
+        <p:nvPicPr>
+          <p:cNvPr id="7" name="Content Placeholder 6">
+            <a:extLst>
+              <a:ext uri="{FF2B5EF4-FFF2-40B4-BE49-F238E27FC236}">
+                <a16:creationId xmlns:a16="http://schemas.microsoft.com/office/drawing/2014/main" id="{A1E5D3AB-C8AE-455C-94CF-5FEADD9EE2FA}"/>
+              </a:ext>
+            </a:extLst>
+          </p:cNvPr>
+          <p:cNvPicPr>
+            <a:picLocks noGrp="1" noChangeAspect="1"/>
+          </p:cNvPicPr>
+          <p:nvPr>
+            <p:ph idx="1"/>
+          </p:nvPr>
+        </p:nvPicPr>
+        <p:blipFill>
+          <a:blip r:embed="rId2"/>
+          <a:stretch>
+            <a:fillRect/>
+          </a:stretch>
+        </p:blipFill>
+        <p:spPr>
+          <a:xfrm>
+            <a:off x="838200" y="1494631"/>
+            <a:ext cx="10528038" cy="4652169"/>
+          </a:xfrm>
+          <a:prstGeom prst="rect">
+            <a:avLst/>
+          </a:prstGeom>
+        </p:spPr>
+      </p:pic>
+    </p:spTree>
+    <p:extLst>
+      <p:ext uri="{BB962C8B-B14F-4D97-AF65-F5344CB8AC3E}">
+        <p14:creationId xmlns:p14="http://schemas.microsoft.com/office/powerpoint/2010/main" val="1049667236"/>
+      </p:ext>
+    </p:extLst>
+  </p:cSld>
+  <p:clrMapOvr>
+    <a:masterClrMapping/>
+  </p:clrMapOvr>
+</p:sld>
+</file>
+
+<file path=ppt/slides/slide17.xml><?xml version="1.0" encoding="utf-8"?>
+<p:sld xmlns:a="http://schemas.openxmlformats.org/drawingml/2006/main" xmlns:r="http://schemas.openxmlformats.org/officeDocument/2006/relationships" xmlns:p="http://schemas.openxmlformats.org/presentationml/2006/main">
+  <p:cSld>
+    <p:spTree>
+      <p:nvGrpSpPr>
+        <p:cNvPr id="1" name=""/>
+        <p:cNvGrpSpPr/>
+        <p:nvPr/>
+      </p:nvGrpSpPr>
+      <p:grpSpPr>
+        <a:xfrm>
+          <a:off x="0" y="0"/>
+          <a:ext cx="0" cy="0"/>
+          <a:chOff x="0" y="0"/>
+          <a:chExt cx="0" cy="0"/>
+        </a:xfrm>
+      </p:grpSpPr>
+      <p:pic>
+        <p:nvPicPr>
+          <p:cNvPr id="4" name="Picture 3">
+            <a:extLst>
+              <a:ext uri="{FF2B5EF4-FFF2-40B4-BE49-F238E27FC236}">
+                <a16:creationId xmlns:a16="http://schemas.microsoft.com/office/drawing/2014/main" id="{9264A0E1-80C8-4CEB-ABBD-3C92EAEF7C4A}"/>
+              </a:ext>
+            </a:extLst>
+          </p:cNvPr>
+          <p:cNvPicPr>
+            <a:picLocks noChangeAspect="1"/>
+          </p:cNvPicPr>
+          <p:nvPr/>
+        </p:nvPicPr>
+        <p:blipFill>
+          <a:blip r:embed="rId2"/>
+          <a:stretch>
+            <a:fillRect/>
+          </a:stretch>
+        </p:blipFill>
+        <p:spPr>
+          <a:xfrm>
+            <a:off x="777881" y="485774"/>
+            <a:ext cx="9321788" cy="3095625"/>
+          </a:xfrm>
+          <a:prstGeom prst="rect">
+            <a:avLst/>
+          </a:prstGeom>
+        </p:spPr>
+      </p:pic>
+    </p:spTree>
+    <p:extLst>
+      <p:ext uri="{BB962C8B-B14F-4D97-AF65-F5344CB8AC3E}">
+        <p14:creationId xmlns:p14="http://schemas.microsoft.com/office/powerpoint/2010/main" val="39976040"/>
+      </p:ext>
+    </p:extLst>
+  </p:cSld>
+  <p:clrMapOvr>
+    <a:masterClrMapping/>
+  </p:clrMapOvr>
+</p:sld>
+</file>
+
+<file path=ppt/slides/slide18.xml><?xml version="1.0" encoding="utf-8"?>
+<p:sld xmlns:a="http://schemas.openxmlformats.org/drawingml/2006/main" xmlns:r="http://schemas.openxmlformats.org/officeDocument/2006/relationships" xmlns:p="http://schemas.openxmlformats.org/presentationml/2006/main">
+  <p:cSld>
+    <p:spTree>
+      <p:nvGrpSpPr>
+        <p:cNvPr id="1" name=""/>
+        <p:cNvGrpSpPr/>
+        <p:nvPr/>
+      </p:nvGrpSpPr>
+      <p:grpSpPr>
+        <a:xfrm>
+          <a:off x="0" y="0"/>
+          <a:ext cx="0" cy="0"/>
+          <a:chOff x="0" y="0"/>
+          <a:chExt cx="0" cy="0"/>
+        </a:xfrm>
+      </p:grpSpPr>
+      <p:sp>
+        <p:nvSpPr>
+          <p:cNvPr id="2" name="Title 1">
+            <a:extLst>
+              <a:ext uri="{FF2B5EF4-FFF2-40B4-BE49-F238E27FC236}">
+                <a16:creationId xmlns:a16="http://schemas.microsoft.com/office/drawing/2014/main" id="{D1AEF848-C8E8-462D-B9BC-695010A1E940}"/>
+              </a:ext>
+            </a:extLst>
+          </p:cNvPr>
+          <p:cNvSpPr>
+            <a:spLocks noGrp="1"/>
+          </p:cNvSpPr>
+          <p:nvPr>
+            <p:ph type="title"/>
+          </p:nvPr>
+        </p:nvSpPr>
+        <p:spPr/>
+        <p:txBody>
+          <a:bodyPr/>
+          <a:lstStyle/>
+          <a:p>
+            <a:r>
+              <a:rPr lang="sr-Latn-RS" b="1" dirty="0"/>
+              <a:t>Rezultat</a:t>
+            </a:r>
+            <a:endParaRPr lang="en-US" b="1" dirty="0"/>
+          </a:p>
+        </p:txBody>
+      </p:sp>
+      <p:pic>
+        <p:nvPicPr>
+          <p:cNvPr id="5" name="Content Placeholder 4" descr="A large tree in a forest&#10;&#10;Description automatically generated">
+            <a:extLst>
+              <a:ext uri="{FF2B5EF4-FFF2-40B4-BE49-F238E27FC236}">
+                <a16:creationId xmlns:a16="http://schemas.microsoft.com/office/drawing/2014/main" id="{E1824CC2-62DD-491F-9B96-1D3DB3A44FF0}"/>
+              </a:ext>
+            </a:extLst>
+          </p:cNvPr>
+          <p:cNvPicPr>
+            <a:picLocks noGrp="1" noChangeAspect="1"/>
+          </p:cNvPicPr>
+          <p:nvPr>
+            <p:ph idx="1"/>
+          </p:nvPr>
+        </p:nvPicPr>
+        <p:blipFill>
+          <a:blip r:embed="rId2">
+            <a:extLst>
+              <a:ext uri="{28A0092B-C50C-407E-A947-70E740481C1C}">
+                <a14:useLocalDpi xmlns:a14="http://schemas.microsoft.com/office/drawing/2010/main" val="0"/>
+              </a:ext>
+            </a:extLst>
+          </a:blip>
+          <a:stretch>
+            <a:fillRect/>
+          </a:stretch>
+        </p:blipFill>
+        <p:spPr>
+          <a:xfrm>
+            <a:off x="838200" y="1690688"/>
+            <a:ext cx="4351338" cy="4351338"/>
+          </a:xfrm>
+        </p:spPr>
+      </p:pic>
+      <p:pic>
+        <p:nvPicPr>
+          <p:cNvPr id="7" name="Picture 6" descr="A black and white photo of a tree&#10;&#10;Description automatically generated">
+            <a:extLst>
+              <a:ext uri="{FF2B5EF4-FFF2-40B4-BE49-F238E27FC236}">
+                <a16:creationId xmlns:a16="http://schemas.microsoft.com/office/drawing/2014/main" id="{96D8FF6E-40BD-4923-9F4C-8C12194F3698}"/>
+              </a:ext>
+            </a:extLst>
+          </p:cNvPr>
+          <p:cNvPicPr>
+            <a:picLocks noChangeAspect="1"/>
+          </p:cNvPicPr>
+          <p:nvPr/>
+        </p:nvPicPr>
+        <p:blipFill>
+          <a:blip r:embed="rId3">
+            <a:extLst>
+              <a:ext uri="{28A0092B-C50C-407E-A947-70E740481C1C}">
+                <a14:useLocalDpi xmlns:a14="http://schemas.microsoft.com/office/drawing/2010/main" val="0"/>
+              </a:ext>
+            </a:extLst>
+          </a:blip>
+          <a:stretch>
+            <a:fillRect/>
+          </a:stretch>
+        </p:blipFill>
+        <p:spPr>
+          <a:xfrm>
+            <a:off x="5833270" y="1712118"/>
+            <a:ext cx="4351338" cy="4351338"/>
+          </a:xfrm>
+          <a:prstGeom prst="rect">
+            <a:avLst/>
+          </a:prstGeom>
+        </p:spPr>
+      </p:pic>
+    </p:spTree>
+    <p:extLst>
+      <p:ext uri="{BB962C8B-B14F-4D97-AF65-F5344CB8AC3E}">
+        <p14:creationId xmlns:p14="http://schemas.microsoft.com/office/powerpoint/2010/main" val="3182640550"/>
+      </p:ext>
+    </p:extLst>
+  </p:cSld>
+  <p:clrMapOvr>
+    <a:masterClrMapping/>
+  </p:clrMapOvr>
+</p:sld>
+</file>
+
 <file path=ppt/slides/slide2.xml><?xml version="1.0" encoding="utf-8"?>
 <p:sld xmlns:a="http://schemas.openxmlformats.org/drawingml/2006/main" xmlns:r="http://schemas.openxmlformats.org/officeDocument/2006/relationships" xmlns:p="http://schemas.openxmlformats.org/presentationml/2006/main">
   <p:cSld>
@@ -4126,8 +5341,8 @@
         </p:blipFill>
         <p:spPr>
           <a:xfrm>
-            <a:off x="1346517" y="3282156"/>
-            <a:ext cx="7705725" cy="1666875"/>
+            <a:off x="1417890" y="3553936"/>
+            <a:ext cx="9356219" cy="2023904"/>
           </a:xfrm>
           <a:prstGeom prst="rect">
             <a:avLst/>
@@ -4271,7 +5486,7 @@
         </p:blipFill>
         <p:spPr>
           <a:xfrm>
-            <a:off x="952500" y="2014537"/>
+            <a:off x="993814" y="1904999"/>
             <a:ext cx="9191625" cy="2828925"/>
           </a:xfrm>
           <a:prstGeom prst="rect">
@@ -4420,7 +5635,23 @@
           <a:bodyPr/>
           <a:lstStyle/>
           <a:p>
-            <a:endParaRPr lang="en-US"/>
+            <a:r>
+              <a:rPr lang="en-US" b="1" dirty="0"/>
+              <a:t>4. </a:t>
+            </a:r>
+            <a:r>
+              <a:rPr lang="en-US" b="1" dirty="0" err="1"/>
+              <a:t>Inicijalizacija</a:t>
+            </a:r>
+            <a:r>
+              <a:rPr lang="en-US" b="1" dirty="0"/>
+              <a:t> </a:t>
+            </a:r>
+            <a:r>
+              <a:rPr lang="en-US" b="1" dirty="0" err="1"/>
+              <a:t>populacije</a:t>
+            </a:r>
+            <a:endParaRPr lang="en-US" b="1" dirty="0"/>
           </a:p>
         </p:txBody>
       </p:sp>
@@ -4445,14 +5676,227 @@
           <a:bodyPr/>
           <a:lstStyle/>
           <a:p>
-            <a:endParaRPr lang="en-US"/>
-          </a:p>
-        </p:txBody>
-      </p:sp>
+            <a:r>
+              <a:rPr lang="en-US" dirty="0"/>
+              <a:t>SSGA </a:t>
+            </a:r>
+            <a:r>
+              <a:rPr lang="en-US" dirty="0" err="1"/>
+              <a:t>algoritam</a:t>
+            </a:r>
+            <a:r>
+              <a:rPr lang="en-US" dirty="0"/>
+              <a:t> </a:t>
+            </a:r>
+            <a:r>
+              <a:rPr lang="en-US" dirty="0" err="1"/>
+              <a:t>poku</a:t>
+            </a:r>
+            <a:r>
+              <a:rPr lang="sr-Latn-RS" dirty="0"/>
+              <a:t>šava da nađe blok u svakoj klasi koji će najbolje prezentovati sve blokove iz klase.</a:t>
+            </a:r>
+          </a:p>
+          <a:p>
+            <a:r>
+              <a:rPr lang="sr-Latn-RS" dirty="0"/>
+              <a:t>Za svaki blok se kreira populacija uzimajući nasumične blokove iz klase</a:t>
+            </a:r>
+          </a:p>
+          <a:p>
+            <a:r>
+              <a:rPr lang="sr-Latn-RS" dirty="0"/>
+              <a:t>Hromozomi su blokovi (n x m) </a:t>
+            </a:r>
+          </a:p>
+          <a:p>
+            <a:r>
+              <a:rPr lang="sr-Latn-RS" dirty="0"/>
+              <a:t>Geni su vrednosti piksela u bloku</a:t>
+            </a:r>
+          </a:p>
+        </p:txBody>
+      </p:sp>
+      <p:pic>
+        <p:nvPicPr>
+          <p:cNvPr id="4" name="Picture 3">
+            <a:extLst>
+              <a:ext uri="{FF2B5EF4-FFF2-40B4-BE49-F238E27FC236}">
+                <a16:creationId xmlns:a16="http://schemas.microsoft.com/office/drawing/2014/main" id="{059AD274-4207-416F-BF0B-FA8B6B1A80B5}"/>
+              </a:ext>
+            </a:extLst>
+          </p:cNvPr>
+          <p:cNvPicPr>
+            <a:picLocks noChangeAspect="1"/>
+          </p:cNvPicPr>
+          <p:nvPr/>
+        </p:nvPicPr>
+        <p:blipFill>
+          <a:blip r:embed="rId2"/>
+          <a:stretch>
+            <a:fillRect/>
+          </a:stretch>
+        </p:blipFill>
+        <p:spPr>
+          <a:xfrm>
+            <a:off x="1254442" y="4359910"/>
+            <a:ext cx="7799774" cy="2355850"/>
+          </a:xfrm>
+          <a:prstGeom prst="rect">
+            <a:avLst/>
+          </a:prstGeom>
+        </p:spPr>
+      </p:pic>
     </p:spTree>
     <p:extLst>
       <p:ext uri="{BB962C8B-B14F-4D97-AF65-F5344CB8AC3E}">
         <p14:creationId xmlns:p14="http://schemas.microsoft.com/office/powerpoint/2010/main" val="727162112"/>
+      </p:ext>
+    </p:extLst>
+  </p:cSld>
+  <p:clrMapOvr>
+    <a:masterClrMapping/>
+  </p:clrMapOvr>
+</p:sld>
+</file>
+
+<file path=ppt/slides/slide9.xml><?xml version="1.0" encoding="utf-8"?>
+<p:sld xmlns:a="http://schemas.openxmlformats.org/drawingml/2006/main" xmlns:r="http://schemas.openxmlformats.org/officeDocument/2006/relationships" xmlns:p="http://schemas.openxmlformats.org/presentationml/2006/main">
+  <p:cSld>
+    <p:spTree>
+      <p:nvGrpSpPr>
+        <p:cNvPr id="1" name=""/>
+        <p:cNvGrpSpPr/>
+        <p:nvPr/>
+      </p:nvGrpSpPr>
+      <p:grpSpPr>
+        <a:xfrm>
+          <a:off x="0" y="0"/>
+          <a:ext cx="0" cy="0"/>
+          <a:chOff x="0" y="0"/>
+          <a:chExt cx="0" cy="0"/>
+        </a:xfrm>
+      </p:grpSpPr>
+      <p:sp>
+        <p:nvSpPr>
+          <p:cNvPr id="2" name="Title 1">
+            <a:extLst>
+              <a:ext uri="{FF2B5EF4-FFF2-40B4-BE49-F238E27FC236}">
+                <a16:creationId xmlns:a16="http://schemas.microsoft.com/office/drawing/2014/main" id="{F1B730AB-A792-4E08-B16B-7E5C5C4979AE}"/>
+              </a:ext>
+            </a:extLst>
+          </p:cNvPr>
+          <p:cNvSpPr>
+            <a:spLocks noGrp="1"/>
+          </p:cNvSpPr>
+          <p:nvPr>
+            <p:ph type="title"/>
+          </p:nvPr>
+        </p:nvSpPr>
+        <p:spPr/>
+        <p:txBody>
+          <a:bodyPr/>
+          <a:lstStyle/>
+          <a:p>
+            <a:r>
+              <a:rPr lang="sr-Latn-RS" b="1" dirty="0"/>
+              <a:t>Funkcija prilagođenosti </a:t>
+            </a:r>
+            <a:r>
+              <a:rPr lang="sr-Latn-RS" sz="3200" i="1" dirty="0"/>
+              <a:t>(</a:t>
+            </a:r>
+            <a:r>
+              <a:rPr lang="sr-Latn-RS" sz="3200" i="1" dirty="0" err="1"/>
+              <a:t>eng</a:t>
+            </a:r>
+            <a:r>
+              <a:rPr lang="sr-Latn-RS" sz="3200" i="1" dirty="0"/>
+              <a:t>. </a:t>
+            </a:r>
+            <a:r>
+              <a:rPr lang="sr-Latn-RS" sz="3200" i="1" dirty="0" err="1"/>
+              <a:t>Fitness</a:t>
+            </a:r>
+            <a:r>
+              <a:rPr lang="sr-Latn-RS" sz="3200" i="1" dirty="0"/>
+              <a:t> </a:t>
+            </a:r>
+            <a:r>
+              <a:rPr lang="sr-Latn-RS" sz="3200" i="1" dirty="0" err="1"/>
+              <a:t>function</a:t>
+            </a:r>
+            <a:r>
+              <a:rPr lang="sr-Latn-RS" sz="3200" i="1" dirty="0"/>
+              <a:t>)</a:t>
+            </a:r>
+            <a:endParaRPr lang="en-US" sz="3200" i="1" dirty="0"/>
+          </a:p>
+        </p:txBody>
+      </p:sp>
+      <p:sp>
+        <p:nvSpPr>
+          <p:cNvPr id="3" name="Content Placeholder 2">
+            <a:extLst>
+              <a:ext uri="{FF2B5EF4-FFF2-40B4-BE49-F238E27FC236}">
+                <a16:creationId xmlns:a16="http://schemas.microsoft.com/office/drawing/2014/main" id="{2BC9FFC3-7698-48AA-B803-CD2202E18903}"/>
+              </a:ext>
+            </a:extLst>
+          </p:cNvPr>
+          <p:cNvSpPr>
+            <a:spLocks noGrp="1"/>
+          </p:cNvSpPr>
+          <p:nvPr>
+            <p:ph idx="1"/>
+          </p:nvPr>
+        </p:nvSpPr>
+        <p:spPr/>
+        <p:txBody>
+          <a:bodyPr/>
+          <a:lstStyle/>
+          <a:p>
+            <a:r>
+              <a:rPr lang="sr-Latn-RS" dirty="0"/>
+              <a:t>Izračunava se za svaki hromozom u populaciji. Hromozom sa najboljom vrednošću je ciljani blok koji najbolje prezentuje blokove iz klase</a:t>
+            </a:r>
+            <a:endParaRPr lang="en-US" dirty="0"/>
+          </a:p>
+        </p:txBody>
+      </p:sp>
+      <p:pic>
+        <p:nvPicPr>
+          <p:cNvPr id="5" name="Picture 4">
+            <a:extLst>
+              <a:ext uri="{FF2B5EF4-FFF2-40B4-BE49-F238E27FC236}">
+                <a16:creationId xmlns:a16="http://schemas.microsoft.com/office/drawing/2014/main" id="{B7AD8970-11D8-4ACF-B526-F8A6158E4246}"/>
+              </a:ext>
+            </a:extLst>
+          </p:cNvPr>
+          <p:cNvPicPr>
+            <a:picLocks noChangeAspect="1"/>
+          </p:cNvPicPr>
+          <p:nvPr/>
+        </p:nvPicPr>
+        <p:blipFill>
+          <a:blip r:embed="rId2"/>
+          <a:stretch>
+            <a:fillRect/>
+          </a:stretch>
+        </p:blipFill>
+        <p:spPr>
+          <a:xfrm>
+            <a:off x="1772920" y="3231528"/>
+            <a:ext cx="7117080" cy="2945435"/>
+          </a:xfrm>
+          <a:prstGeom prst="rect">
+            <a:avLst/>
+          </a:prstGeom>
+        </p:spPr>
+      </p:pic>
+    </p:spTree>
+    <p:extLst>
+      <p:ext uri="{BB962C8B-B14F-4D97-AF65-F5344CB8AC3E}">
+        <p14:creationId xmlns:p14="http://schemas.microsoft.com/office/powerpoint/2010/main" val="103788425"/>
       </p:ext>
     </p:extLst>
   </p:cSld>

--- a/Primena genetskog algoritma u kompresiji slika.pptx
+++ b/Primena genetskog algoritma u kompresiji slika.pptx
@@ -276,7 +276,7 @@
           <a:p>
             <a:fld id="{F1182543-441C-4A32-A5F2-BBC06F2E3627}" type="datetimeFigureOut">
               <a:rPr lang="en-US" smtClean="0"/>
-              <a:t>9/11/2019</a:t>
+              <a:t>9/23/2019</a:t>
             </a:fld>
             <a:endParaRPr lang="en-US"/>
           </a:p>
@@ -474,7 +474,7 @@
           <a:p>
             <a:fld id="{F1182543-441C-4A32-A5F2-BBC06F2E3627}" type="datetimeFigureOut">
               <a:rPr lang="en-US" smtClean="0"/>
-              <a:t>9/11/2019</a:t>
+              <a:t>9/23/2019</a:t>
             </a:fld>
             <a:endParaRPr lang="en-US"/>
           </a:p>
@@ -682,7 +682,7 @@
           <a:p>
             <a:fld id="{F1182543-441C-4A32-A5F2-BBC06F2E3627}" type="datetimeFigureOut">
               <a:rPr lang="en-US" smtClean="0"/>
-              <a:t>9/11/2019</a:t>
+              <a:t>9/23/2019</a:t>
             </a:fld>
             <a:endParaRPr lang="en-US"/>
           </a:p>
@@ -880,7 +880,7 @@
           <a:p>
             <a:fld id="{F1182543-441C-4A32-A5F2-BBC06F2E3627}" type="datetimeFigureOut">
               <a:rPr lang="en-US" smtClean="0"/>
-              <a:t>9/11/2019</a:t>
+              <a:t>9/23/2019</a:t>
             </a:fld>
             <a:endParaRPr lang="en-US"/>
           </a:p>
@@ -1155,7 +1155,7 @@
           <a:p>
             <a:fld id="{F1182543-441C-4A32-A5F2-BBC06F2E3627}" type="datetimeFigureOut">
               <a:rPr lang="en-US" smtClean="0"/>
-              <a:t>9/11/2019</a:t>
+              <a:t>9/23/2019</a:t>
             </a:fld>
             <a:endParaRPr lang="en-US"/>
           </a:p>
@@ -1420,7 +1420,7 @@
           <a:p>
             <a:fld id="{F1182543-441C-4A32-A5F2-BBC06F2E3627}" type="datetimeFigureOut">
               <a:rPr lang="en-US" smtClean="0"/>
-              <a:t>9/11/2019</a:t>
+              <a:t>9/23/2019</a:t>
             </a:fld>
             <a:endParaRPr lang="en-US"/>
           </a:p>
@@ -1832,7 +1832,7 @@
           <a:p>
             <a:fld id="{F1182543-441C-4A32-A5F2-BBC06F2E3627}" type="datetimeFigureOut">
               <a:rPr lang="en-US" smtClean="0"/>
-              <a:t>9/11/2019</a:t>
+              <a:t>9/23/2019</a:t>
             </a:fld>
             <a:endParaRPr lang="en-US"/>
           </a:p>
@@ -1973,7 +1973,7 @@
           <a:p>
             <a:fld id="{F1182543-441C-4A32-A5F2-BBC06F2E3627}" type="datetimeFigureOut">
               <a:rPr lang="en-US" smtClean="0"/>
-              <a:t>9/11/2019</a:t>
+              <a:t>9/23/2019</a:t>
             </a:fld>
             <a:endParaRPr lang="en-US"/>
           </a:p>
@@ -2086,7 +2086,7 @@
           <a:p>
             <a:fld id="{F1182543-441C-4A32-A5F2-BBC06F2E3627}" type="datetimeFigureOut">
               <a:rPr lang="en-US" smtClean="0"/>
-              <a:t>9/11/2019</a:t>
+              <a:t>9/23/2019</a:t>
             </a:fld>
             <a:endParaRPr lang="en-US"/>
           </a:p>
@@ -2397,7 +2397,7 @@
           <a:p>
             <a:fld id="{F1182543-441C-4A32-A5F2-BBC06F2E3627}" type="datetimeFigureOut">
               <a:rPr lang="en-US" smtClean="0"/>
-              <a:t>9/11/2019</a:t>
+              <a:t>9/23/2019</a:t>
             </a:fld>
             <a:endParaRPr lang="en-US"/>
           </a:p>
@@ -2685,7 +2685,7 @@
           <a:p>
             <a:fld id="{F1182543-441C-4A32-A5F2-BBC06F2E3627}" type="datetimeFigureOut">
               <a:rPr lang="en-US" smtClean="0"/>
-              <a:t>9/11/2019</a:t>
+              <a:t>9/23/2019</a:t>
             </a:fld>
             <a:endParaRPr lang="en-US"/>
           </a:p>
@@ -2926,7 +2926,7 @@
           <a:p>
             <a:fld id="{F1182543-441C-4A32-A5F2-BBC06F2E3627}" type="datetimeFigureOut">
               <a:rPr lang="en-US" smtClean="0"/>
-              <a:t>9/11/2019</a:t>
+              <a:t>9/23/2019</a:t>
             </a:fld>
             <a:endParaRPr lang="en-US"/>
           </a:p>
@@ -3763,11 +3763,11 @@
             </a:r>
             <a:r>
               <a:rPr lang="en-US" dirty="0"/>
-              <a:t> </a:t>
+              <a:t> se </a:t>
             </a:r>
             <a:r>
               <a:rPr lang="en-US" dirty="0" err="1"/>
-              <a:t>su</a:t>
+              <a:t>biraju</a:t>
             </a:r>
             <a:r>
               <a:rPr lang="en-US" dirty="0"/>
@@ -3775,39 +3775,15 @@
             </a:r>
             <a:r>
               <a:rPr lang="en-US" dirty="0" err="1"/>
-              <a:t>dve</a:t>
-            </a:r>
-            <a:r>
-              <a:rPr lang="en-US" dirty="0"/>
-              <a:t> </a:t>
-            </a:r>
-            <a:r>
-              <a:rPr lang="en-US" dirty="0" err="1"/>
-              <a:t>jedinke</a:t>
-            </a:r>
-            <a:r>
-              <a:rPr lang="en-US" dirty="0"/>
-              <a:t> </a:t>
-            </a:r>
-            <a:r>
-              <a:rPr lang="en-US" dirty="0" err="1"/>
-              <a:t>sa</a:t>
-            </a:r>
-            <a:r>
-              <a:rPr lang="en-US" dirty="0"/>
-              <a:t> </a:t>
-            </a:r>
-            <a:r>
-              <a:rPr lang="en-US" dirty="0" err="1"/>
-              <a:t>najboljim</a:t>
-            </a:r>
-            <a:r>
-              <a:rPr lang="en-US" dirty="0"/>
-              <a:t> fitness </a:t>
-            </a:r>
-            <a:r>
-              <a:rPr lang="en-US" dirty="0" err="1"/>
-              <a:t>vrednostima</a:t>
+              <a:t>nausmi</a:t>
+            </a:r>
+            <a:r>
+              <a:rPr lang="sr-Latn-RS" dirty="0" err="1"/>
+              <a:t>čno</a:t>
+            </a:r>
+            <a:r>
+              <a:rPr lang="sr-Latn-RS" dirty="0"/>
+              <a:t> iz populacije</a:t>
             </a:r>
             <a:endParaRPr lang="en-US" dirty="0"/>
           </a:p>
@@ -3815,10 +3791,10 @@
       </p:sp>
       <p:pic>
         <p:nvPicPr>
-          <p:cNvPr id="4" name="Picture 3">
-            <a:extLst>
-              <a:ext uri="{FF2B5EF4-FFF2-40B4-BE49-F238E27FC236}">
-                <a16:creationId xmlns:a16="http://schemas.microsoft.com/office/drawing/2014/main" id="{07CB2698-5E2A-4344-8205-8B6A2B89287B}"/>
+          <p:cNvPr id="5" name="Picture 4">
+            <a:extLst>
+              <a:ext uri="{FF2B5EF4-FFF2-40B4-BE49-F238E27FC236}">
+                <a16:creationId xmlns:a16="http://schemas.microsoft.com/office/drawing/2014/main" id="{3DA6AA72-18F1-4F7B-8223-7C2DAD345040}"/>
               </a:ext>
             </a:extLst>
           </p:cNvPr>
@@ -3835,8 +3811,8 @@
         </p:blipFill>
         <p:spPr>
           <a:xfrm>
-            <a:off x="1125893" y="3348672"/>
-            <a:ext cx="4970107" cy="2066608"/>
+            <a:off x="1000760" y="3540760"/>
+            <a:ext cx="8776709" cy="1930876"/>
           </a:xfrm>
           <a:prstGeom prst="rect">
             <a:avLst/>

--- a/Primena genetskog algoritma u kompresiji slika.pptx
+++ b/Primena genetskog algoritma u kompresiji slika.pptx
@@ -3712,7 +3712,7 @@
           <a:p>
             <a:r>
               <a:rPr lang="en-US" dirty="0" err="1"/>
-              <a:t>Uzmimamo</a:t>
+              <a:t>Koristimo</a:t>
             </a:r>
             <a:r>
               <a:rPr lang="en-US" dirty="0"/>
@@ -3720,7 +3720,7 @@
             </a:r>
             <a:r>
               <a:rPr lang="en-US" dirty="0" err="1"/>
-              <a:t>dva</a:t>
+              <a:t>ruletsku</a:t>
             </a:r>
             <a:r>
               <a:rPr lang="en-US" dirty="0"/>
@@ -3728,62 +3728,7 @@
             </a:r>
             <a:r>
               <a:rPr lang="en-US" dirty="0" err="1"/>
-              <a:t>roditelja</a:t>
-            </a:r>
-            <a:r>
-              <a:rPr lang="en-US" dirty="0"/>
-              <a:t> I </a:t>
-            </a:r>
-            <a:r>
-              <a:rPr lang="en-US" dirty="0" err="1"/>
-              <a:t>pravimo</a:t>
-            </a:r>
-            <a:r>
-              <a:rPr lang="en-US" dirty="0"/>
-              <a:t> </a:t>
-            </a:r>
-            <a:r>
-              <a:rPr lang="en-US" dirty="0" err="1"/>
-              <a:t>potomka</a:t>
-            </a:r>
-            <a:endParaRPr lang="en-US" dirty="0"/>
-          </a:p>
-          <a:p>
-            <a:r>
-              <a:rPr lang="en-US" dirty="0" err="1"/>
-              <a:t>Dva</a:t>
-            </a:r>
-            <a:r>
-              <a:rPr lang="en-US" dirty="0"/>
-              <a:t> </a:t>
-            </a:r>
-            <a:r>
-              <a:rPr lang="en-US" dirty="0" err="1"/>
-              <a:t>roditelja</a:t>
-            </a:r>
-            <a:r>
-              <a:rPr lang="en-US" dirty="0"/>
-              <a:t> se </a:t>
-            </a:r>
-            <a:r>
-              <a:rPr lang="en-US" dirty="0" err="1"/>
-              <a:t>biraju</a:t>
-            </a:r>
-            <a:r>
-              <a:rPr lang="en-US" dirty="0"/>
-              <a:t> </a:t>
-            </a:r>
-            <a:r>
-              <a:rPr lang="en-US" dirty="0" err="1"/>
-              <a:t>nausmi</a:t>
-            </a:r>
-            <a:r>
-              <a:rPr lang="sr-Latn-RS" dirty="0" err="1"/>
-              <a:t>čno</a:t>
-            </a:r>
-            <a:r>
-              <a:rPr lang="sr-Latn-RS" dirty="0"/>
-              <a:t> iz populacije</a:t>
+              <a:t>selekciju</a:t>
             </a:r>
             <a:endParaRPr lang="en-US" dirty="0"/>
           </a:p>
@@ -3811,7 +3756,7 @@
         </p:blipFill>
         <p:spPr>
           <a:xfrm>
-            <a:off x="1000760" y="3540760"/>
+            <a:off x="1029335" y="2845435"/>
             <a:ext cx="8776709" cy="1930876"/>
           </a:xfrm>
           <a:prstGeom prst="rect">
@@ -4436,10 +4381,10 @@
       </p:sp>
       <p:pic>
         <p:nvPicPr>
-          <p:cNvPr id="7" name="Content Placeholder 6">
-            <a:extLst>
-              <a:ext uri="{FF2B5EF4-FFF2-40B4-BE49-F238E27FC236}">
-                <a16:creationId xmlns:a16="http://schemas.microsoft.com/office/drawing/2014/main" id="{A1E5D3AB-C8AE-455C-94CF-5FEADD9EE2FA}"/>
+          <p:cNvPr id="5" name="Content Placeholder 4">
+            <a:extLst>
+              <a:ext uri="{FF2B5EF4-FFF2-40B4-BE49-F238E27FC236}">
+                <a16:creationId xmlns:a16="http://schemas.microsoft.com/office/drawing/2014/main" id="{A3429DEA-7065-4495-BB44-1B75DDF7D755}"/>
               </a:ext>
             </a:extLst>
           </p:cNvPr>
@@ -4458,8 +4403,8 @@
         </p:blipFill>
         <p:spPr>
           <a:xfrm>
-            <a:off x="838200" y="1494631"/>
-            <a:ext cx="10528038" cy="4652169"/>
+            <a:off x="1027007" y="1406207"/>
+            <a:ext cx="9701953" cy="5165975"/>
           </a:xfrm>
           <a:prstGeom prst="rect">
             <a:avLst/>
@@ -4498,10 +4443,10 @@
       </p:grpSpPr>
       <p:pic>
         <p:nvPicPr>
-          <p:cNvPr id="4" name="Picture 3">
-            <a:extLst>
-              <a:ext uri="{FF2B5EF4-FFF2-40B4-BE49-F238E27FC236}">
-                <a16:creationId xmlns:a16="http://schemas.microsoft.com/office/drawing/2014/main" id="{9264A0E1-80C8-4CEB-ABBD-3C92EAEF7C4A}"/>
+          <p:cNvPr id="2" name="Picture 1">
+            <a:extLst>
+              <a:ext uri="{FF2B5EF4-FFF2-40B4-BE49-F238E27FC236}">
+                <a16:creationId xmlns:a16="http://schemas.microsoft.com/office/drawing/2014/main" id="{50CA987E-BBD2-42FC-AB2E-74422A33475E}"/>
               </a:ext>
             </a:extLst>
           </p:cNvPr>
@@ -4518,8 +4463,8 @@
         </p:blipFill>
         <p:spPr>
           <a:xfrm>
-            <a:off x="777881" y="485774"/>
-            <a:ext cx="9321788" cy="3095625"/>
+            <a:off x="991234" y="348614"/>
+            <a:ext cx="9232832" cy="5252085"/>
           </a:xfrm>
           <a:prstGeom prst="rect">
             <a:avLst/>
